--- a/Spring Presentation/pmprogress.pptx
+++ b/Spring Presentation/pmprogress.pptx
@@ -5,13 +5,15 @@
     <p:sldMasterId id="2147483660" r:id="rId1"/>
   </p:sldMasterIdLst>
   <p:notesMasterIdLst>
-    <p:notesMasterId r:id="rId3"/>
+    <p:notesMasterId r:id="rId5"/>
   </p:notesMasterIdLst>
   <p:handoutMasterIdLst>
-    <p:handoutMasterId r:id="rId4"/>
+    <p:handoutMasterId r:id="rId6"/>
   </p:handoutMasterIdLst>
   <p:sldIdLst>
     <p:sldId id="278" r:id="rId2"/>
+    <p:sldId id="279" r:id="rId3"/>
+    <p:sldId id="280" r:id="rId4"/>
   </p:sldIdLst>
   <p:sldSz cx="9144000" cy="6858000" type="screen4x3"/>
   <p:notesSz cx="6858000" cy="9144000"/>
@@ -6250,6 +6252,251 @@
     <p:extLst>
       <p:ext uri="{BB962C8B-B14F-4D97-AF65-F5344CB8AC3E}">
         <p14:creationId xmlns:p14="http://schemas.microsoft.com/office/powerpoint/2010/main" val="832088387"/>
+      </p:ext>
+    </p:extLst>
+  </p:cSld>
+  <p:clrMapOvr>
+    <a:masterClrMapping/>
+  </p:clrMapOvr>
+  <p:transition>
+    <p:fade/>
+  </p:transition>
+</p:sld>
+</file>
+
+<file path=ppt/slides/slide2.xml><?xml version="1.0" encoding="utf-8"?>
+<p:sld xmlns:a="http://schemas.openxmlformats.org/drawingml/2006/main" xmlns:r="http://schemas.openxmlformats.org/officeDocument/2006/relationships" xmlns:p="http://schemas.openxmlformats.org/presentationml/2006/main">
+  <p:cSld>
+    <p:spTree>
+      <p:nvGrpSpPr>
+        <p:cNvPr id="1" name=""/>
+        <p:cNvGrpSpPr/>
+        <p:nvPr/>
+      </p:nvGrpSpPr>
+      <p:grpSpPr>
+        <a:xfrm>
+          <a:off x="0" y="0"/>
+          <a:ext cx="0" cy="0"/>
+          <a:chOff x="0" y="0"/>
+          <a:chExt cx="0" cy="0"/>
+        </a:xfrm>
+      </p:grpSpPr>
+      <p:sp>
+        <p:nvSpPr>
+          <p:cNvPr id="2" name="Title 1"/>
+          <p:cNvSpPr>
+            <a:spLocks noGrp="1"/>
+          </p:cNvSpPr>
+          <p:nvPr>
+            <p:ph type="title"/>
+          </p:nvPr>
+        </p:nvSpPr>
+        <p:spPr/>
+        <p:txBody>
+          <a:bodyPr/>
+          <a:lstStyle/>
+          <a:p>
+            <a:r>
+              <a:rPr lang="en-US" dirty="0"/>
+              <a:t>Elevator Pitch: General Audience </a:t>
+            </a:r>
+          </a:p>
+        </p:txBody>
+      </p:sp>
+      <p:sp>
+        <p:nvSpPr>
+          <p:cNvPr id="3" name="Content Placeholder 2"/>
+          <p:cNvSpPr>
+            <a:spLocks noGrp="1"/>
+          </p:cNvSpPr>
+          <p:nvPr>
+            <p:ph idx="1"/>
+          </p:nvPr>
+        </p:nvSpPr>
+        <p:spPr/>
+        <p:txBody>
+          <a:bodyPr/>
+          <a:lstStyle/>
+          <a:p>
+            <a:endParaRPr lang="en-US" dirty="0"/>
+          </a:p>
+        </p:txBody>
+      </p:sp>
+      <p:sp>
+        <p:nvSpPr>
+          <p:cNvPr id="4" name="Date Placeholder 3"/>
+          <p:cNvSpPr>
+            <a:spLocks noGrp="1"/>
+          </p:cNvSpPr>
+          <p:nvPr>
+            <p:ph type="dt" sz="half" idx="10"/>
+          </p:nvPr>
+        </p:nvSpPr>
+        <p:spPr/>
+        <p:txBody>
+          <a:bodyPr/>
+          <a:lstStyle/>
+          <a:p>
+            <a:fld id="{587879A4-4F69-446C-9ABE-1D3E649983EC}" type="datetime4">
+              <a:rPr lang="en-US" altLang="en-US" smtClean="0"/>
+              <a:pPr/>
+              <a:t>May 14, 2017</a:t>
+            </a:fld>
+            <a:endParaRPr lang="en-US" altLang="en-US"/>
+          </a:p>
+        </p:txBody>
+      </p:sp>
+      <p:sp>
+        <p:nvSpPr>
+          <p:cNvPr id="5" name="Slide Number Placeholder 4"/>
+          <p:cNvSpPr>
+            <a:spLocks noGrp="1"/>
+          </p:cNvSpPr>
+          <p:nvPr>
+            <p:ph type="sldNum" sz="quarter" idx="11"/>
+          </p:nvPr>
+        </p:nvSpPr>
+        <p:spPr/>
+        <p:txBody>
+          <a:bodyPr/>
+          <a:lstStyle/>
+          <a:p>
+            <a:fld id="{9B4E24A9-3947-49DE-BF63-05AD6678E021}" type="slidenum">
+              <a:rPr lang="en-US" altLang="en-US" smtClean="0"/>
+              <a:pPr/>
+              <a:t>1</a:t>
+            </a:fld>
+            <a:endParaRPr lang="en-US" altLang="en-US"/>
+          </a:p>
+        </p:txBody>
+      </p:sp>
+    </p:spTree>
+    <p:extLst>
+      <p:ext uri="{BB962C8B-B14F-4D97-AF65-F5344CB8AC3E}">
+        <p14:creationId xmlns:p14="http://schemas.microsoft.com/office/powerpoint/2010/main" val="1318555965"/>
+      </p:ext>
+    </p:extLst>
+  </p:cSld>
+  <p:clrMapOvr>
+    <a:masterClrMapping/>
+  </p:clrMapOvr>
+  <p:transition>
+    <p:fade/>
+  </p:transition>
+</p:sld>
+</file>
+
+<file path=ppt/slides/slide3.xml><?xml version="1.0" encoding="utf-8"?>
+<p:sld xmlns:a="http://schemas.openxmlformats.org/drawingml/2006/main" xmlns:r="http://schemas.openxmlformats.org/officeDocument/2006/relationships" xmlns:p="http://schemas.openxmlformats.org/presentationml/2006/main">
+  <p:cSld>
+    <p:spTree>
+      <p:nvGrpSpPr>
+        <p:cNvPr id="1" name=""/>
+        <p:cNvGrpSpPr/>
+        <p:nvPr/>
+      </p:nvGrpSpPr>
+      <p:grpSpPr>
+        <a:xfrm>
+          <a:off x="0" y="0"/>
+          <a:ext cx="0" cy="0"/>
+          <a:chOff x="0" y="0"/>
+          <a:chExt cx="0" cy="0"/>
+        </a:xfrm>
+      </p:grpSpPr>
+      <p:sp>
+        <p:nvSpPr>
+          <p:cNvPr id="2" name="Title 1"/>
+          <p:cNvSpPr>
+            <a:spLocks noGrp="1"/>
+          </p:cNvSpPr>
+          <p:nvPr>
+            <p:ph type="title"/>
+          </p:nvPr>
+        </p:nvSpPr>
+        <p:spPr/>
+        <p:txBody>
+          <a:bodyPr/>
+          <a:lstStyle/>
+          <a:p>
+            <a:r>
+              <a:rPr lang="en-US" dirty="0"/>
+              <a:t>Elevator Pitch: Technical Audience </a:t>
+            </a:r>
+            <a:endParaRPr lang="en-US" dirty="0"/>
+          </a:p>
+        </p:txBody>
+      </p:sp>
+      <p:sp>
+        <p:nvSpPr>
+          <p:cNvPr id="3" name="Content Placeholder 2"/>
+          <p:cNvSpPr>
+            <a:spLocks noGrp="1"/>
+          </p:cNvSpPr>
+          <p:nvPr>
+            <p:ph idx="1"/>
+          </p:nvPr>
+        </p:nvSpPr>
+        <p:spPr/>
+        <p:txBody>
+          <a:bodyPr/>
+          <a:lstStyle/>
+          <a:p>
+            <a:endParaRPr lang="en-US"/>
+          </a:p>
+        </p:txBody>
+      </p:sp>
+      <p:sp>
+        <p:nvSpPr>
+          <p:cNvPr id="4" name="Date Placeholder 3"/>
+          <p:cNvSpPr>
+            <a:spLocks noGrp="1"/>
+          </p:cNvSpPr>
+          <p:nvPr>
+            <p:ph type="dt" sz="half" idx="10"/>
+          </p:nvPr>
+        </p:nvSpPr>
+        <p:spPr/>
+        <p:txBody>
+          <a:bodyPr/>
+          <a:lstStyle/>
+          <a:p>
+            <a:fld id="{587879A4-4F69-446C-9ABE-1D3E649983EC}" type="datetime4">
+              <a:rPr lang="en-US" altLang="en-US" smtClean="0"/>
+              <a:pPr/>
+              <a:t>May 14, 2017</a:t>
+            </a:fld>
+            <a:endParaRPr lang="en-US" altLang="en-US"/>
+          </a:p>
+        </p:txBody>
+      </p:sp>
+      <p:sp>
+        <p:nvSpPr>
+          <p:cNvPr id="5" name="Slide Number Placeholder 4"/>
+          <p:cNvSpPr>
+            <a:spLocks noGrp="1"/>
+          </p:cNvSpPr>
+          <p:nvPr>
+            <p:ph type="sldNum" sz="quarter" idx="11"/>
+          </p:nvPr>
+        </p:nvSpPr>
+        <p:spPr/>
+        <p:txBody>
+          <a:bodyPr/>
+          <a:lstStyle/>
+          <a:p>
+            <a:fld id="{9B4E24A9-3947-49DE-BF63-05AD6678E021}" type="slidenum">
+              <a:rPr lang="en-US" altLang="en-US" smtClean="0"/>
+              <a:pPr/>
+              <a:t>2</a:t>
+            </a:fld>
+            <a:endParaRPr lang="en-US" altLang="en-US"/>
+          </a:p>
+        </p:txBody>
+      </p:sp>
+    </p:spTree>
+    <p:extLst>
+      <p:ext uri="{BB962C8B-B14F-4D97-AF65-F5344CB8AC3E}">
+        <p14:creationId xmlns:p14="http://schemas.microsoft.com/office/powerpoint/2010/main" val="3297652550"/>
       </p:ext>
     </p:extLst>
   </p:cSld>

--- a/Spring Presentation/pmprogress.pptx
+++ b/Spring Presentation/pmprogress.pptx
@@ -5,15 +5,17 @@
     <p:sldMasterId id="2147483660" r:id="rId1"/>
   </p:sldMasterIdLst>
   <p:notesMasterIdLst>
-    <p:notesMasterId r:id="rId5"/>
+    <p:notesMasterId r:id="rId7"/>
   </p:notesMasterIdLst>
   <p:handoutMasterIdLst>
-    <p:handoutMasterId r:id="rId6"/>
+    <p:handoutMasterId r:id="rId8"/>
   </p:handoutMasterIdLst>
   <p:sldIdLst>
     <p:sldId id="278" r:id="rId2"/>
     <p:sldId id="279" r:id="rId3"/>
     <p:sldId id="280" r:id="rId4"/>
+    <p:sldId id="281" r:id="rId5"/>
+    <p:sldId id="282" r:id="rId6"/>
   </p:sldIdLst>
   <p:sldSz cx="9144000" cy="6858000" type="screen4x3"/>
   <p:notesSz cx="6858000" cy="9144000"/>
@@ -265,7 +267,7 @@
             <a:fld id="{EFA3D7DE-9438-4F12-A5E1-BCEF1C3AE28B}" type="datetimeFigureOut">
               <a:rPr lang="en-US" altLang="en-US"/>
               <a:pPr/>
-              <a:t>5/14/2017</a:t>
+              <a:t>5/15/2017</a:t>
             </a:fld>
             <a:endParaRPr lang="en-US" altLang="en-US"/>
           </a:p>
@@ -472,7 +474,7 @@
             <a:fld id="{98F3F9F7-CCC0-417F-AA70-841609638596}" type="datetimeFigureOut">
               <a:rPr lang="en-US" altLang="en-US"/>
               <a:pPr/>
-              <a:t>5/14/2017</a:t>
+              <a:t>5/15/2017</a:t>
             </a:fld>
             <a:endParaRPr lang="en-US" altLang="en-US"/>
           </a:p>
@@ -1525,7 +1527,7 @@
             <a:fld id="{DEAAC0C1-69C9-45CD-A31B-59E31EF91413}" type="datetime4">
               <a:rPr lang="en-US" altLang="en-US"/>
               <a:pPr/>
-              <a:t>May 14, 2017</a:t>
+              <a:t>May 15, 2017</a:t>
             </a:fld>
             <a:endParaRPr lang="en-US" altLang="en-US"/>
           </a:p>
@@ -1811,7 +1813,7 @@
             <a:fld id="{C24BBCBD-83A8-4F9A-BD26-D0EBC7C88B1D}" type="datetime4">
               <a:rPr lang="en-US" altLang="en-US"/>
               <a:pPr/>
-              <a:t>May 14, 2017</a:t>
+              <a:t>May 15, 2017</a:t>
             </a:fld>
             <a:endParaRPr lang="en-US" altLang="en-US"/>
           </a:p>
@@ -2093,7 +2095,7 @@
             <a:fld id="{8A016020-FA10-4245-A65D-E56ED3A9EF8A}" type="datetime4">
               <a:rPr lang="en-US" altLang="en-US"/>
               <a:pPr/>
-              <a:t>May 14, 2017</a:t>
+              <a:t>May 15, 2017</a:t>
             </a:fld>
             <a:endParaRPr lang="en-US" altLang="en-US"/>
           </a:p>
@@ -2402,7 +2404,7 @@
             <a:fld id="{590028DC-60A2-4C3F-B39C-447EB1847AD6}" type="datetime4">
               <a:rPr lang="en-US" altLang="en-US"/>
               <a:pPr/>
-              <a:t>May 14, 2017</a:t>
+              <a:t>May 15, 2017</a:t>
             </a:fld>
             <a:endParaRPr lang="en-US" altLang="en-US"/>
           </a:p>
@@ -2711,7 +2713,7 @@
             <a:fld id="{D0B6F38C-7598-4EC3-B7F5-639B2515A9FB}" type="datetime4">
               <a:rPr lang="en-US" altLang="en-US"/>
               <a:pPr/>
-              <a:t>May 14, 2017</a:t>
+              <a:t>May 15, 2017</a:t>
             </a:fld>
             <a:endParaRPr lang="en-US" altLang="en-US"/>
           </a:p>
@@ -3012,7 +3014,7 @@
             <a:fld id="{E6617C09-42FC-4457-95A0-F9CA1AE6B24E}" type="datetime4">
               <a:rPr lang="en-US" altLang="en-US"/>
               <a:pPr/>
-              <a:t>May 14, 2017</a:t>
+              <a:t>May 15, 2017</a:t>
             </a:fld>
             <a:endParaRPr lang="en-US" altLang="en-US"/>
           </a:p>
@@ -3127,7 +3129,7 @@
             <a:fld id="{3F507DB9-9651-4ACB-8D23-FEBBD1E938C8}" type="datetime4">
               <a:rPr lang="en-US" altLang="en-US"/>
               <a:pPr/>
-              <a:t>May 14, 2017</a:t>
+              <a:t>May 15, 2017</a:t>
             </a:fld>
             <a:endParaRPr lang="en-US" altLang="en-US"/>
           </a:p>
@@ -3280,7 +3282,7 @@
             <a:fld id="{FD8471A9-DE71-4F0A-B913-A8991536C6F1}" type="datetime4">
               <a:rPr lang="en-US" altLang="en-US"/>
               <a:pPr/>
-              <a:t>May 14, 2017</a:t>
+              <a:t>May 15, 2017</a:t>
             </a:fld>
             <a:endParaRPr lang="en-US" altLang="en-US"/>
           </a:p>
@@ -3473,7 +3475,7 @@
             <a:fld id="{587879A4-4F69-446C-9ABE-1D3E649983EC}" type="datetime4">
               <a:rPr lang="en-US" altLang="en-US"/>
               <a:pPr/>
-              <a:t>May 14, 2017</a:t>
+              <a:t>May 15, 2017</a:t>
             </a:fld>
             <a:endParaRPr lang="en-US" altLang="en-US"/>
           </a:p>
@@ -3729,7 +3731,7 @@
             <a:fld id="{5D7BD7FE-00ED-4002-8D15-F0A8DEDE0E42}" type="datetime4">
               <a:rPr lang="en-US" altLang="en-US"/>
               <a:pPr/>
-              <a:t>May 14, 2017</a:t>
+              <a:t>May 15, 2017</a:t>
             </a:fld>
             <a:endParaRPr lang="en-US" altLang="en-US"/>
           </a:p>
@@ -4015,7 +4017,7 @@
             <a:fld id="{3DD2D09C-A48D-45CF-914A-9B8AF56AC455}" type="datetime4">
               <a:rPr lang="en-US" altLang="en-US"/>
               <a:pPr/>
-              <a:t>May 14, 2017</a:t>
+              <a:t>May 15, 2017</a:t>
             </a:fld>
             <a:endParaRPr lang="en-US" altLang="en-US"/>
           </a:p>
@@ -4193,7 +4195,7 @@
             <a:fld id="{F5F1CD9F-FF80-4A25-A662-52ADDE32AC79}" type="datetime4">
               <a:rPr lang="en-US" altLang="en-US"/>
               <a:pPr/>
-              <a:t>May 14, 2017</a:t>
+              <a:t>May 15, 2017</a:t>
             </a:fld>
             <a:endParaRPr lang="en-US" altLang="en-US"/>
           </a:p>
@@ -4335,7 +4337,7 @@
             <a:fld id="{694C5B49-5687-4ACD-9DFD-B822ECBFE915}" type="datetime4">
               <a:rPr lang="en-US" altLang="en-US"/>
               <a:pPr/>
-              <a:t>May 14, 2017</a:t>
+              <a:t>May 15, 2017</a:t>
             </a:fld>
             <a:endParaRPr lang="en-US" altLang="en-US"/>
           </a:p>
@@ -4559,7 +4561,7 @@
             <a:fld id="{78E70859-AED2-4645-88F4-E8DB3D06DE31}" type="datetime4">
               <a:rPr lang="en-US" altLang="en-US"/>
               <a:pPr/>
-              <a:t>May 14, 2017</a:t>
+              <a:t>May 15, 2017</a:t>
             </a:fld>
             <a:endParaRPr lang="en-US" altLang="en-US"/>
           </a:p>
@@ -4781,7 +4783,7 @@
             <a:fld id="{990060A4-14DF-4483-A50E-1114B67E1009}" type="datetime4">
               <a:rPr lang="en-US" altLang="en-US"/>
               <a:pPr/>
-              <a:t>May 14, 2017</a:t>
+              <a:t>May 15, 2017</a:t>
             </a:fld>
             <a:endParaRPr lang="en-US" altLang="en-US"/>
           </a:p>
@@ -5037,7 +5039,7 @@
             <a:fld id="{66ED7076-129F-457C-8062-C73E079206C2}" type="datetime4">
               <a:rPr lang="en-US" altLang="en-US"/>
               <a:pPr/>
-              <a:t>May 14, 2017</a:t>
+              <a:t>May 15, 2017</a:t>
             </a:fld>
             <a:endParaRPr lang="en-US" altLang="en-US"/>
           </a:p>
@@ -5577,7 +5579,7 @@
             <a:fld id="{6F71DB0D-2362-415F-8437-4DB631BAF294}" type="datetime4">
               <a:rPr lang="en-US" altLang="en-US"/>
               <a:pPr/>
-              <a:t>May 14, 2017</a:t>
+              <a:t>May 15, 2017</a:t>
             </a:fld>
             <a:endParaRPr lang="en-US" altLang="en-US"/>
           </a:p>
@@ -6218,7 +6220,7 @@
             <a:fld id="{587879A4-4F69-446C-9ABE-1D3E649983EC}" type="datetime4">
               <a:rPr lang="en-US" altLang="en-US" smtClean="0"/>
               <a:pPr/>
-              <a:t>May 14, 2017</a:t>
+              <a:t>May 15, 2017</a:t>
             </a:fld>
             <a:endParaRPr lang="en-US" altLang="en-US"/>
           </a:p>
@@ -6340,7 +6342,7 @@
             <a:fld id="{587879A4-4F69-446C-9ABE-1D3E649983EC}" type="datetime4">
               <a:rPr lang="en-US" altLang="en-US" smtClean="0"/>
               <a:pPr/>
-              <a:t>May 14, 2017</a:t>
+              <a:t>May 15, 2017</a:t>
             </a:fld>
             <a:endParaRPr lang="en-US" altLang="en-US"/>
           </a:p>
@@ -6422,7 +6424,6 @@
               <a:rPr lang="en-US" dirty="0"/>
               <a:t>Elevator Pitch: Technical Audience </a:t>
             </a:r>
-            <a:endParaRPr lang="en-US" dirty="0"/>
           </a:p>
         </p:txBody>
       </p:sp>
@@ -6463,7 +6464,7 @@
             <a:fld id="{587879A4-4F69-446C-9ABE-1D3E649983EC}" type="datetime4">
               <a:rPr lang="en-US" altLang="en-US" smtClean="0"/>
               <a:pPr/>
-              <a:t>May 14, 2017</a:t>
+              <a:t>May 15, 2017</a:t>
             </a:fld>
             <a:endParaRPr lang="en-US" altLang="en-US"/>
           </a:p>
@@ -6497,6 +6498,319 @@
     <p:extLst>
       <p:ext uri="{BB962C8B-B14F-4D97-AF65-F5344CB8AC3E}">
         <p14:creationId xmlns:p14="http://schemas.microsoft.com/office/powerpoint/2010/main" val="3297652550"/>
+      </p:ext>
+    </p:extLst>
+  </p:cSld>
+  <p:clrMapOvr>
+    <a:masterClrMapping/>
+  </p:clrMapOvr>
+  <p:transition>
+    <p:fade/>
+  </p:transition>
+</p:sld>
+</file>
+
+<file path=ppt/slides/slide4.xml><?xml version="1.0" encoding="utf-8"?>
+<p:sld xmlns:a="http://schemas.openxmlformats.org/drawingml/2006/main" xmlns:r="http://schemas.openxmlformats.org/officeDocument/2006/relationships" xmlns:p="http://schemas.openxmlformats.org/presentationml/2006/main">
+  <p:cSld>
+    <p:spTree>
+      <p:nvGrpSpPr>
+        <p:cNvPr id="1" name=""/>
+        <p:cNvGrpSpPr/>
+        <p:nvPr/>
+      </p:nvGrpSpPr>
+      <p:grpSpPr>
+        <a:xfrm>
+          <a:off x="0" y="0"/>
+          <a:ext cx="0" cy="0"/>
+          <a:chOff x="0" y="0"/>
+          <a:chExt cx="0" cy="0"/>
+        </a:xfrm>
+      </p:grpSpPr>
+      <p:sp>
+        <p:nvSpPr>
+          <p:cNvPr id="2" name="Title 1"/>
+          <p:cNvSpPr>
+            <a:spLocks noGrp="1"/>
+          </p:cNvSpPr>
+          <p:nvPr>
+            <p:ph type="title"/>
+          </p:nvPr>
+        </p:nvSpPr>
+        <p:spPr/>
+        <p:txBody>
+          <a:bodyPr/>
+          <a:lstStyle/>
+          <a:p>
+            <a:r>
+              <a:rPr lang="en-US" dirty="0"/>
+              <a:t>Current Progress – Steven Silvers</a:t>
+            </a:r>
+          </a:p>
+        </p:txBody>
+      </p:sp>
+      <p:sp>
+        <p:nvSpPr>
+          <p:cNvPr id="3" name="Content Placeholder 2"/>
+          <p:cNvSpPr>
+            <a:spLocks noGrp="1"/>
+          </p:cNvSpPr>
+          <p:nvPr>
+            <p:ph idx="1"/>
+          </p:nvPr>
+        </p:nvSpPr>
+        <p:spPr/>
+        <p:txBody>
+          <a:bodyPr/>
+          <a:lstStyle/>
+          <a:p>
+            <a:r>
+              <a:rPr lang="en-US" dirty="0"/>
+              <a:t>Control Board</a:t>
+            </a:r>
+          </a:p>
+          <a:p>
+            <a:pPr lvl="1"/>
+            <a:r>
+              <a:rPr lang="en-US" dirty="0"/>
+              <a:t>ECE team has received final board</a:t>
+            </a:r>
+          </a:p>
+          <a:p>
+            <a:endParaRPr lang="en-US" dirty="0"/>
+          </a:p>
+          <a:p>
+            <a:r>
+              <a:rPr lang="en-US" dirty="0"/>
+              <a:t>Wheel System</a:t>
+            </a:r>
+          </a:p>
+          <a:p>
+            <a:pPr lvl="1"/>
+            <a:r>
+              <a:rPr lang="en-US" dirty="0"/>
+              <a:t>Redesigned to hold motors better</a:t>
+            </a:r>
+          </a:p>
+          <a:p>
+            <a:pPr lvl="1"/>
+            <a:endParaRPr lang="en-US" dirty="0"/>
+          </a:p>
+          <a:p>
+            <a:r>
+              <a:rPr lang="en-US" dirty="0"/>
+              <a:t>Obstacle Avoidance</a:t>
+            </a:r>
+          </a:p>
+          <a:p>
+            <a:pPr lvl="1"/>
+            <a:r>
+              <a:rPr lang="en-US" dirty="0"/>
+              <a:t>Testing with PI Camera</a:t>
+            </a:r>
+          </a:p>
+        </p:txBody>
+      </p:sp>
+      <p:sp>
+        <p:nvSpPr>
+          <p:cNvPr id="4" name="Date Placeholder 3"/>
+          <p:cNvSpPr>
+            <a:spLocks noGrp="1"/>
+          </p:cNvSpPr>
+          <p:nvPr>
+            <p:ph type="dt" sz="half" idx="10"/>
+          </p:nvPr>
+        </p:nvSpPr>
+        <p:spPr/>
+        <p:txBody>
+          <a:bodyPr/>
+          <a:lstStyle/>
+          <a:p>
+            <a:fld id="{587879A4-4F69-446C-9ABE-1D3E649983EC}" type="datetime4">
+              <a:rPr lang="en-US" altLang="en-US" smtClean="0"/>
+              <a:pPr/>
+              <a:t>May 15, 2017</a:t>
+            </a:fld>
+            <a:endParaRPr lang="en-US" altLang="en-US"/>
+          </a:p>
+        </p:txBody>
+      </p:sp>
+      <p:sp>
+        <p:nvSpPr>
+          <p:cNvPr id="5" name="Slide Number Placeholder 4"/>
+          <p:cNvSpPr>
+            <a:spLocks noGrp="1"/>
+          </p:cNvSpPr>
+          <p:nvPr>
+            <p:ph type="sldNum" sz="quarter" idx="11"/>
+          </p:nvPr>
+        </p:nvSpPr>
+        <p:spPr/>
+        <p:txBody>
+          <a:bodyPr/>
+          <a:lstStyle/>
+          <a:p>
+            <a:fld id="{9B4E24A9-3947-49DE-BF63-05AD6678E021}" type="slidenum">
+              <a:rPr lang="en-US" altLang="en-US" smtClean="0"/>
+              <a:pPr/>
+              <a:t>3</a:t>
+            </a:fld>
+            <a:endParaRPr lang="en-US" altLang="en-US"/>
+          </a:p>
+        </p:txBody>
+      </p:sp>
+    </p:spTree>
+    <p:extLst>
+      <p:ext uri="{BB962C8B-B14F-4D97-AF65-F5344CB8AC3E}">
+        <p14:creationId xmlns:p14="http://schemas.microsoft.com/office/powerpoint/2010/main" val="1729407520"/>
+      </p:ext>
+    </p:extLst>
+  </p:cSld>
+  <p:clrMapOvr>
+    <a:masterClrMapping/>
+  </p:clrMapOvr>
+  <p:transition>
+    <p:fade/>
+  </p:transition>
+</p:sld>
+</file>
+
+<file path=ppt/slides/slide5.xml><?xml version="1.0" encoding="utf-8"?>
+<p:sld xmlns:a="http://schemas.openxmlformats.org/drawingml/2006/main" xmlns:r="http://schemas.openxmlformats.org/officeDocument/2006/relationships" xmlns:p="http://schemas.openxmlformats.org/presentationml/2006/main">
+  <p:cSld>
+    <p:spTree>
+      <p:nvGrpSpPr>
+        <p:cNvPr id="1" name=""/>
+        <p:cNvGrpSpPr/>
+        <p:nvPr/>
+      </p:nvGrpSpPr>
+      <p:grpSpPr>
+        <a:xfrm>
+          <a:off x="0" y="0"/>
+          <a:ext cx="0" cy="0"/>
+          <a:chOff x="0" y="0"/>
+          <a:chExt cx="0" cy="0"/>
+        </a:xfrm>
+      </p:grpSpPr>
+      <p:sp>
+        <p:nvSpPr>
+          <p:cNvPr id="2" name="Title 1"/>
+          <p:cNvSpPr>
+            <a:spLocks noGrp="1"/>
+          </p:cNvSpPr>
+          <p:nvPr>
+            <p:ph type="title"/>
+          </p:nvPr>
+        </p:nvSpPr>
+        <p:spPr/>
+        <p:txBody>
+          <a:bodyPr/>
+          <a:lstStyle/>
+          <a:p>
+            <a:r>
+              <a:rPr lang="en-US" dirty="0"/>
+              <a:t>Problems Encountered</a:t>
+            </a:r>
+          </a:p>
+        </p:txBody>
+      </p:sp>
+      <p:sp>
+        <p:nvSpPr>
+          <p:cNvPr id="3" name="Content Placeholder 2"/>
+          <p:cNvSpPr>
+            <a:spLocks noGrp="1"/>
+          </p:cNvSpPr>
+          <p:nvPr>
+            <p:ph idx="1"/>
+          </p:nvPr>
+        </p:nvSpPr>
+        <p:spPr/>
+        <p:txBody>
+          <a:bodyPr/>
+          <a:lstStyle/>
+          <a:p>
+            <a:r>
+              <a:rPr lang="en-US" dirty="0"/>
+              <a:t>Missed Deadlines</a:t>
+            </a:r>
+          </a:p>
+          <a:p>
+            <a:endParaRPr lang="en-US" dirty="0"/>
+          </a:p>
+          <a:p>
+            <a:r>
+              <a:rPr lang="en-US" dirty="0"/>
+              <a:t>Fried components</a:t>
+            </a:r>
+          </a:p>
+          <a:p>
+            <a:endParaRPr lang="en-US" dirty="0"/>
+          </a:p>
+          <a:p>
+            <a:r>
+              <a:rPr lang="en-US" dirty="0"/>
+              <a:t>Motors didn’t </a:t>
+            </a:r>
+            <a:r>
+              <a:rPr lang="en-US"/>
+              <a:t>fit frame</a:t>
+            </a:r>
+            <a:endParaRPr lang="en-US"/>
+          </a:p>
+        </p:txBody>
+      </p:sp>
+      <p:sp>
+        <p:nvSpPr>
+          <p:cNvPr id="4" name="Date Placeholder 3"/>
+          <p:cNvSpPr>
+            <a:spLocks noGrp="1"/>
+          </p:cNvSpPr>
+          <p:nvPr>
+            <p:ph type="dt" sz="half" idx="10"/>
+          </p:nvPr>
+        </p:nvSpPr>
+        <p:spPr/>
+        <p:txBody>
+          <a:bodyPr/>
+          <a:lstStyle/>
+          <a:p>
+            <a:fld id="{587879A4-4F69-446C-9ABE-1D3E649983EC}" type="datetime4">
+              <a:rPr lang="en-US" altLang="en-US" smtClean="0"/>
+              <a:pPr/>
+              <a:t>May 15, 2017</a:t>
+            </a:fld>
+            <a:endParaRPr lang="en-US" altLang="en-US"/>
+          </a:p>
+        </p:txBody>
+      </p:sp>
+      <p:sp>
+        <p:nvSpPr>
+          <p:cNvPr id="5" name="Slide Number Placeholder 4"/>
+          <p:cNvSpPr>
+            <a:spLocks noGrp="1"/>
+          </p:cNvSpPr>
+          <p:nvPr>
+            <p:ph type="sldNum" sz="quarter" idx="11"/>
+          </p:nvPr>
+        </p:nvSpPr>
+        <p:spPr/>
+        <p:txBody>
+          <a:bodyPr/>
+          <a:lstStyle/>
+          <a:p>
+            <a:fld id="{9B4E24A9-3947-49DE-BF63-05AD6678E021}" type="slidenum">
+              <a:rPr lang="en-US" altLang="en-US" smtClean="0"/>
+              <a:pPr/>
+              <a:t>4</a:t>
+            </a:fld>
+            <a:endParaRPr lang="en-US" altLang="en-US"/>
+          </a:p>
+        </p:txBody>
+      </p:sp>
+    </p:spTree>
+    <p:extLst>
+      <p:ext uri="{BB962C8B-B14F-4D97-AF65-F5344CB8AC3E}">
+        <p14:creationId xmlns:p14="http://schemas.microsoft.com/office/powerpoint/2010/main" val="3073255370"/>
       </p:ext>
     </p:extLst>
   </p:cSld>

--- a/Spring Presentation/pmprogress.pptx
+++ b/Spring Presentation/pmprogress.pptx
@@ -5,17 +5,21 @@
     <p:sldMasterId id="2147483660" r:id="rId1"/>
   </p:sldMasterIdLst>
   <p:notesMasterIdLst>
-    <p:notesMasterId r:id="rId7"/>
+    <p:notesMasterId r:id="rId11"/>
   </p:notesMasterIdLst>
   <p:handoutMasterIdLst>
-    <p:handoutMasterId r:id="rId8"/>
+    <p:handoutMasterId r:id="rId12"/>
   </p:handoutMasterIdLst>
   <p:sldIdLst>
     <p:sldId id="278" r:id="rId2"/>
-    <p:sldId id="279" r:id="rId3"/>
-    <p:sldId id="280" r:id="rId4"/>
+    <p:sldId id="284" r:id="rId3"/>
+    <p:sldId id="283" r:id="rId4"/>
     <p:sldId id="281" r:id="rId5"/>
     <p:sldId id="282" r:id="rId6"/>
+    <p:sldId id="286" r:id="rId7"/>
+    <p:sldId id="280" r:id="rId8"/>
+    <p:sldId id="279" r:id="rId9"/>
+    <p:sldId id="285" r:id="rId10"/>
   </p:sldIdLst>
   <p:sldSz cx="9144000" cy="6858000" type="screen4x3"/>
   <p:notesSz cx="6858000" cy="9144000"/>
@@ -6298,84 +6302,37 @@
           <a:bodyPr/>
           <a:lstStyle/>
           <a:p>
-            <a:r>
-              <a:rPr lang="en-US" dirty="0"/>
-              <a:t>Elevator Pitch: General Audience </a:t>
-            </a:r>
-          </a:p>
-        </p:txBody>
-      </p:sp>
-      <p:sp>
-        <p:nvSpPr>
-          <p:cNvPr id="3" name="Content Placeholder 2"/>
-          <p:cNvSpPr>
-            <a:spLocks noGrp="1"/>
-          </p:cNvSpPr>
+            <a:endParaRPr lang="en-US"/>
+          </a:p>
+        </p:txBody>
+      </p:sp>
+      <p:pic>
+        <p:nvPicPr>
+          <p:cNvPr id="6" name="Content Placeholder 5"/>
+          <p:cNvPicPr>
+            <a:picLocks noGrp="1" noChangeAspect="1"/>
+          </p:cNvPicPr>
           <p:nvPr>
             <p:ph idx="1"/>
           </p:nvPr>
-        </p:nvSpPr>
-        <p:spPr/>
-        <p:txBody>
-          <a:bodyPr/>
-          <a:lstStyle/>
-          <a:p>
-            <a:endParaRPr lang="en-US" dirty="0"/>
-          </a:p>
-        </p:txBody>
-      </p:sp>
-      <p:sp>
-        <p:nvSpPr>
-          <p:cNvPr id="4" name="Date Placeholder 3"/>
-          <p:cNvSpPr>
-            <a:spLocks noGrp="1"/>
-          </p:cNvSpPr>
-          <p:nvPr>
-            <p:ph type="dt" sz="half" idx="10"/>
-          </p:nvPr>
-        </p:nvSpPr>
-        <p:spPr/>
-        <p:txBody>
-          <a:bodyPr/>
-          <a:lstStyle/>
-          <a:p>
-            <a:fld id="{587879A4-4F69-446C-9ABE-1D3E649983EC}" type="datetime4">
-              <a:rPr lang="en-US" altLang="en-US" smtClean="0"/>
-              <a:pPr/>
-              <a:t>May 15, 2017</a:t>
-            </a:fld>
-            <a:endParaRPr lang="en-US" altLang="en-US"/>
-          </a:p>
-        </p:txBody>
-      </p:sp>
-      <p:sp>
-        <p:nvSpPr>
-          <p:cNvPr id="5" name="Slide Number Placeholder 4"/>
-          <p:cNvSpPr>
-            <a:spLocks noGrp="1"/>
-          </p:cNvSpPr>
-          <p:nvPr>
-            <p:ph type="sldNum" sz="quarter" idx="11"/>
-          </p:nvPr>
-        </p:nvSpPr>
-        <p:spPr/>
-        <p:txBody>
-          <a:bodyPr/>
-          <a:lstStyle/>
-          <a:p>
-            <a:fld id="{9B4E24A9-3947-49DE-BF63-05AD6678E021}" type="slidenum">
-              <a:rPr lang="en-US" altLang="en-US" smtClean="0"/>
-              <a:pPr/>
-              <a:t>1</a:t>
-            </a:fld>
-            <a:endParaRPr lang="en-US" altLang="en-US"/>
-          </a:p>
-        </p:txBody>
-      </p:sp>
+        </p:nvPicPr>
+        <p:blipFill>
+          <a:blip r:embed="rId2"/>
+          <a:stretch>
+            <a:fillRect/>
+          </a:stretch>
+        </p:blipFill>
+        <p:spPr>
+          <a:xfrm>
+            <a:off x="-3241" y="0"/>
+            <a:ext cx="9156664" cy="6858000"/>
+          </a:xfrm>
+        </p:spPr>
+      </p:pic>
     </p:spTree>
     <p:extLst>
       <p:ext uri="{BB962C8B-B14F-4D97-AF65-F5344CB8AC3E}">
-        <p14:creationId xmlns:p14="http://schemas.microsoft.com/office/powerpoint/2010/main" val="1318555965"/>
+        <p14:creationId xmlns:p14="http://schemas.microsoft.com/office/powerpoint/2010/main" val="2991156423"/>
       </p:ext>
     </p:extLst>
   </p:cSld>
@@ -6407,7 +6364,7 @@
       </p:grpSpPr>
       <p:sp>
         <p:nvSpPr>
-          <p:cNvPr id="2" name="Title 1"/>
+          <p:cNvPr id="20481" name="Title 1"/>
           <p:cNvSpPr>
             <a:spLocks noGrp="1"/>
           </p:cNvSpPr>
@@ -6415,64 +6372,353 @@
             <p:ph type="title"/>
           </p:nvPr>
         </p:nvSpPr>
+        <p:spPr>
+          <a:xfrm>
+            <a:off x="457200" y="457200"/>
+            <a:ext cx="8229600" cy="914400"/>
+          </a:xfrm>
+        </p:spPr>
+        <p:txBody>
+          <a:bodyPr/>
+          <a:lstStyle/>
+          <a:p>
+            <a:r>
+              <a:rPr lang="en-US" altLang="en-US" dirty="0">
+                <a:latin typeface="Cambria" panose="02040503050406030204" pitchFamily="18" charset="0"/>
+              </a:rPr>
+              <a:t>Current </a:t>
+            </a:r>
+            <a:r>
+              <a:rPr lang="en-US" altLang="en-US" dirty="0" err="1">
+                <a:latin typeface="Cambria" panose="02040503050406030204" pitchFamily="18" charset="0"/>
+              </a:rPr>
+              <a:t>Progess</a:t>
+            </a:r>
+            <a:r>
+              <a:rPr lang="en-US" altLang="en-US" dirty="0">
+                <a:latin typeface="Cambria" panose="02040503050406030204" pitchFamily="18" charset="0"/>
+              </a:rPr>
+              <a:t> – </a:t>
+            </a:r>
+            <a:r>
+              <a:rPr lang="en-US" altLang="en-US" dirty="0" err="1">
+                <a:latin typeface="Cambria" panose="02040503050406030204" pitchFamily="18" charset="0"/>
+              </a:rPr>
+              <a:t>Zhaolong</a:t>
+            </a:r>
+            <a:r>
+              <a:rPr lang="en-US" altLang="en-US" dirty="0">
+                <a:latin typeface="Cambria" panose="02040503050406030204" pitchFamily="18" charset="0"/>
+              </a:rPr>
+              <a:t> Wu</a:t>
+            </a:r>
+            <a:br>
+              <a:rPr lang="en-US" altLang="en-US" dirty="0">
+                <a:latin typeface="Cambria" panose="02040503050406030204" pitchFamily="18" charset="0"/>
+              </a:rPr>
+            </a:br>
+            <a:endParaRPr altLang="en-US" dirty="0">
+              <a:latin typeface="Cambria" panose="02040503050406030204" pitchFamily="18" charset="0"/>
+            </a:endParaRPr>
+          </a:p>
+        </p:txBody>
+      </p:sp>
+      <p:sp>
+        <p:nvSpPr>
+          <p:cNvPr id="20482" name="Content Placeholder 2"/>
+          <p:cNvSpPr>
+            <a:spLocks noGrp="1"/>
+          </p:cNvSpPr>
+          <p:nvPr>
+            <p:ph idx="1"/>
+          </p:nvPr>
+        </p:nvSpPr>
         <p:spPr/>
         <p:txBody>
           <a:bodyPr/>
           <a:lstStyle/>
           <a:p>
-            <a:r>
-              <a:rPr lang="en-US" dirty="0"/>
-              <a:t>Elevator Pitch: Technical Audience </a:t>
-            </a:r>
-          </a:p>
-        </p:txBody>
-      </p:sp>
-      <p:sp>
-        <p:nvSpPr>
-          <p:cNvPr id="3" name="Content Placeholder 2"/>
-          <p:cNvSpPr>
-            <a:spLocks noGrp="1"/>
-          </p:cNvSpPr>
-          <p:nvPr>
-            <p:ph idx="1"/>
-          </p:nvPr>
-        </p:nvSpPr>
-        <p:spPr/>
-        <p:txBody>
-          <a:bodyPr/>
-          <a:lstStyle/>
-          <a:p>
-            <a:endParaRPr lang="en-US"/>
-          </a:p>
-        </p:txBody>
-      </p:sp>
-      <p:sp>
-        <p:nvSpPr>
-          <p:cNvPr id="4" name="Date Placeholder 3"/>
-          <p:cNvSpPr>
-            <a:spLocks noGrp="1"/>
-          </p:cNvSpPr>
-          <p:nvPr>
-            <p:ph type="dt" sz="half" idx="10"/>
-          </p:nvPr>
-        </p:nvSpPr>
-        <p:spPr/>
-        <p:txBody>
-          <a:bodyPr/>
-          <a:lstStyle/>
-          <a:p>
-            <a:fld id="{587879A4-4F69-446C-9ABE-1D3E649983EC}" type="datetime4">
-              <a:rPr lang="en-US" altLang="en-US" smtClean="0"/>
+            <a:pPr>
+              <a:buFontTx/>
+              <a:buChar char="•"/>
+            </a:pPr>
+            <a:r>
+              <a:rPr lang="en-US" altLang="en-US">
+                <a:latin typeface="Calibri" panose="020F0502020204030204" pitchFamily="34" charset="0"/>
+              </a:rPr>
+              <a:t>Spring break</a:t>
+            </a:r>
+            <a:endParaRPr lang="en-US" altLang="en-US" dirty="0">
+              <a:latin typeface="Calibri" panose="020F0502020204030204" pitchFamily="34" charset="0"/>
+            </a:endParaRPr>
+          </a:p>
+          <a:p>
+            <a:pPr>
+              <a:buFontTx/>
+              <a:buChar char="•"/>
+            </a:pPr>
+            <a:r>
+              <a:rPr lang="en-US" altLang="en-US" sz="1800">
+                <a:latin typeface="Calibri" panose="020F0502020204030204" pitchFamily="34" charset="0"/>
+              </a:rPr>
+              <a:t>Writing </a:t>
+            </a:r>
+            <a:r>
+              <a:rPr lang="en-US" altLang="en-US" sz="1800" dirty="0">
+                <a:latin typeface="Calibri" panose="020F0502020204030204" pitchFamily="34" charset="0"/>
+              </a:rPr>
+              <a:t>the test cases for the navigation module</a:t>
+            </a:r>
+          </a:p>
+          <a:p>
+            <a:pPr marL="0" indent="0">
+              <a:buNone/>
+            </a:pPr>
+            <a:endParaRPr lang="en-US" altLang="en-US" dirty="0">
+              <a:latin typeface="Calibri" panose="020F0502020204030204" pitchFamily="34" charset="0"/>
+            </a:endParaRPr>
+          </a:p>
+          <a:p>
+            <a:pPr>
+              <a:buFontTx/>
+              <a:buChar char="•"/>
+            </a:pPr>
+            <a:r>
+              <a:rPr lang="en-US" altLang="en-US" dirty="0">
+                <a:latin typeface="Calibri" panose="020F0502020204030204" pitchFamily="34" charset="0"/>
+              </a:rPr>
+              <a:t>Update the navigation module</a:t>
+            </a:r>
+          </a:p>
+          <a:p>
+            <a:pPr>
+              <a:buFontTx/>
+              <a:buChar char="•"/>
+            </a:pPr>
+            <a:r>
+              <a:rPr lang="en-US" altLang="en-US" sz="1800" dirty="0">
+                <a:latin typeface="Calibri" panose="020F0502020204030204" pitchFamily="34" charset="0"/>
+              </a:rPr>
+              <a:t>Redesigned the navigation algorithm to determine the rover’s initial heading</a:t>
+            </a:r>
+          </a:p>
+          <a:p>
+            <a:pPr marL="0" indent="0">
+              <a:buNone/>
+            </a:pPr>
+            <a:endParaRPr lang="en-US" altLang="en-US" dirty="0">
+              <a:latin typeface="Calibri" panose="020F0502020204030204" pitchFamily="34" charset="0"/>
+            </a:endParaRPr>
+          </a:p>
+          <a:p>
+            <a:pPr>
+              <a:buFontTx/>
+              <a:buChar char="•"/>
+            </a:pPr>
+            <a:r>
+              <a:rPr lang="en-US" altLang="en-US" dirty="0">
+                <a:latin typeface="Calibri" panose="020F0502020204030204" pitchFamily="34" charset="0"/>
+              </a:rPr>
+              <a:t>Rescue rover when it lands on its side</a:t>
+            </a:r>
+          </a:p>
+          <a:p>
+            <a:pPr>
+              <a:buFontTx/>
+              <a:buChar char="•"/>
+            </a:pPr>
+            <a:r>
+              <a:rPr lang="en-US" altLang="en-US" sz="1800" dirty="0">
+                <a:latin typeface="Calibri" panose="020F0502020204030204" pitchFamily="34" charset="0"/>
+              </a:rPr>
+              <a:t>Redesigned the module due to the servo’s limitation</a:t>
+            </a:r>
+          </a:p>
+          <a:p>
+            <a:pPr marL="0" indent="0">
+              <a:buNone/>
+            </a:pPr>
+            <a:r>
+              <a:rPr lang="en-US" altLang="en-US" dirty="0">
+                <a:latin typeface="Calibri" panose="020F0502020204030204" pitchFamily="34" charset="0"/>
+              </a:rPr>
+              <a:t>    </a:t>
+            </a:r>
+          </a:p>
+          <a:p>
+            <a:pPr marL="0" indent="0">
+              <a:buNone/>
+            </a:pPr>
+            <a:endParaRPr lang="en-US" altLang="en-US" dirty="0">
+              <a:latin typeface="Calibri" panose="020F0502020204030204" pitchFamily="34" charset="0"/>
+            </a:endParaRPr>
+          </a:p>
+        </p:txBody>
+      </p:sp>
+      <p:sp>
+        <p:nvSpPr>
+          <p:cNvPr id="20483" name="Date Placeholder 3"/>
+          <p:cNvSpPr>
+            <a:spLocks noGrp="1"/>
+          </p:cNvSpPr>
+          <p:nvPr>
+            <p:ph type="dt" sz="quarter" idx="10"/>
+          </p:nvPr>
+        </p:nvSpPr>
+        <p:spPr bwMode="auto">
+          <a:noFill/>
+          <a:extLst>
+            <a:ext uri="{909E8E84-426E-40DD-AFC4-6F175D3DCCD1}">
+              <a14:hiddenFill xmlns:a14="http://schemas.microsoft.com/office/drawing/2010/main">
+                <a:solidFill>
+                  <a:srgbClr val="FFFFFF"/>
+                </a:solidFill>
+              </a14:hiddenFill>
+            </a:ext>
+            <a:ext uri="{91240B29-F687-4F45-9708-019B960494DF}">
+              <a14:hiddenLine xmlns:a14="http://schemas.microsoft.com/office/drawing/2010/main" w="9525">
+                <a:solidFill>
+                  <a:srgbClr val="000000"/>
+                </a:solidFill>
+                <a:miter lim="800000"/>
+                <a:headEnd/>
+                <a:tailEnd/>
+              </a14:hiddenLine>
+            </a:ext>
+          </a:extLst>
+        </p:spPr>
+        <p:txBody>
+          <a:bodyPr/>
+          <a:lstStyle>
+            <a:lvl1pPr>
+              <a:defRPr>
+                <a:solidFill>
+                  <a:schemeClr val="tx1"/>
+                </a:solidFill>
+                <a:latin typeface="Palatino" charset="0"/>
+                <a:ea typeface="MS PGothic" panose="020B0600070205080204" pitchFamily="34" charset="-128"/>
+              </a:defRPr>
+            </a:lvl1pPr>
+            <a:lvl2pPr marL="742950" indent="-285750">
+              <a:defRPr>
+                <a:solidFill>
+                  <a:schemeClr val="tx1"/>
+                </a:solidFill>
+                <a:latin typeface="Palatino" charset="0"/>
+                <a:ea typeface="MS PGothic" panose="020B0600070205080204" pitchFamily="34" charset="-128"/>
+              </a:defRPr>
+            </a:lvl2pPr>
+            <a:lvl3pPr marL="1143000" indent="-228600">
+              <a:defRPr>
+                <a:solidFill>
+                  <a:schemeClr val="tx1"/>
+                </a:solidFill>
+                <a:latin typeface="Palatino" charset="0"/>
+                <a:ea typeface="MS PGothic" panose="020B0600070205080204" pitchFamily="34" charset="-128"/>
+              </a:defRPr>
+            </a:lvl3pPr>
+            <a:lvl4pPr marL="1600200" indent="-228600">
+              <a:defRPr>
+                <a:solidFill>
+                  <a:schemeClr val="tx1"/>
+                </a:solidFill>
+                <a:latin typeface="Palatino" charset="0"/>
+                <a:ea typeface="MS PGothic" panose="020B0600070205080204" pitchFamily="34" charset="-128"/>
+              </a:defRPr>
+            </a:lvl4pPr>
+            <a:lvl5pPr marL="2057400" indent="-228600">
+              <a:defRPr>
+                <a:solidFill>
+                  <a:schemeClr val="tx1"/>
+                </a:solidFill>
+                <a:latin typeface="Palatino" charset="0"/>
+                <a:ea typeface="MS PGothic" panose="020B0600070205080204" pitchFamily="34" charset="-128"/>
+              </a:defRPr>
+            </a:lvl5pPr>
+            <a:lvl6pPr marL="2514600" indent="-228600" defTabSz="457200" fontAlgn="base">
+              <a:spcBef>
+                <a:spcPct val="0"/>
+              </a:spcBef>
+              <a:spcAft>
+                <a:spcPct val="0"/>
+              </a:spcAft>
+              <a:defRPr>
+                <a:solidFill>
+                  <a:schemeClr val="tx1"/>
+                </a:solidFill>
+                <a:latin typeface="Palatino" charset="0"/>
+                <a:ea typeface="MS PGothic" panose="020B0600070205080204" pitchFamily="34" charset="-128"/>
+              </a:defRPr>
+            </a:lvl6pPr>
+            <a:lvl7pPr marL="2971800" indent="-228600" defTabSz="457200" fontAlgn="base">
+              <a:spcBef>
+                <a:spcPct val="0"/>
+              </a:spcBef>
+              <a:spcAft>
+                <a:spcPct val="0"/>
+              </a:spcAft>
+              <a:defRPr>
+                <a:solidFill>
+                  <a:schemeClr val="tx1"/>
+                </a:solidFill>
+                <a:latin typeface="Palatino" charset="0"/>
+                <a:ea typeface="MS PGothic" panose="020B0600070205080204" pitchFamily="34" charset="-128"/>
+              </a:defRPr>
+            </a:lvl7pPr>
+            <a:lvl8pPr marL="3429000" indent="-228600" defTabSz="457200" fontAlgn="base">
+              <a:spcBef>
+                <a:spcPct val="0"/>
+              </a:spcBef>
+              <a:spcAft>
+                <a:spcPct val="0"/>
+              </a:spcAft>
+              <a:defRPr>
+                <a:solidFill>
+                  <a:schemeClr val="tx1"/>
+                </a:solidFill>
+                <a:latin typeface="Palatino" charset="0"/>
+                <a:ea typeface="MS PGothic" panose="020B0600070205080204" pitchFamily="34" charset="-128"/>
+              </a:defRPr>
+            </a:lvl8pPr>
+            <a:lvl9pPr marL="3886200" indent="-228600" defTabSz="457200" fontAlgn="base">
+              <a:spcBef>
+                <a:spcPct val="0"/>
+              </a:spcBef>
+              <a:spcAft>
+                <a:spcPct val="0"/>
+              </a:spcAft>
+              <a:defRPr>
+                <a:solidFill>
+                  <a:schemeClr val="tx1"/>
+                </a:solidFill>
+                <a:latin typeface="Palatino" charset="0"/>
+                <a:ea typeface="MS PGothic" panose="020B0600070205080204" pitchFamily="34" charset="-128"/>
+              </a:defRPr>
+            </a:lvl9pPr>
+          </a:lstStyle>
+          <a:p>
+            <a:fld id="{DE7E09CB-4C3E-4130-9BFE-96DD62A83A6F}" type="datetime4">
+              <a:rPr lang="en-US" altLang="en-US">
+                <a:solidFill>
+                  <a:srgbClr val="717171"/>
+                </a:solidFill>
+                <a:latin typeface="Calibri" panose="020F0502020204030204" pitchFamily="34" charset="0"/>
+              </a:rPr>
               <a:pPr/>
               <a:t>May 15, 2017</a:t>
             </a:fld>
-            <a:endParaRPr lang="en-US" altLang="en-US"/>
-          </a:p>
-        </p:txBody>
-      </p:sp>
-      <p:sp>
-        <p:nvSpPr>
-          <p:cNvPr id="5" name="Slide Number Placeholder 4"/>
+            <a:endParaRPr lang="en-US" altLang="en-US">
+              <a:solidFill>
+                <a:srgbClr val="717171"/>
+              </a:solidFill>
+              <a:latin typeface="Calibri" panose="020F0502020204030204" pitchFamily="34" charset="0"/>
+            </a:endParaRPr>
+          </a:p>
+        </p:txBody>
+      </p:sp>
+      <p:sp>
+        <p:nvSpPr>
+          <p:cNvPr id="20484" name="Slide Number Placeholder 4"/>
           <p:cNvSpPr>
             <a:spLocks noGrp="1"/>
           </p:cNvSpPr>
@@ -6480,33 +6726,167 @@
             <p:ph type="sldNum" sz="quarter" idx="11"/>
           </p:nvPr>
         </p:nvSpPr>
-        <p:spPr/>
-        <p:txBody>
-          <a:bodyPr/>
-          <a:lstStyle/>
-          <a:p>
-            <a:fld id="{9B4E24A9-3947-49DE-BF63-05AD6678E021}" type="slidenum">
-              <a:rPr lang="en-US" altLang="en-US" smtClean="0"/>
+        <p:spPr bwMode="auto">
+          <a:noFill/>
+          <a:extLst>
+            <a:ext uri="{909E8E84-426E-40DD-AFC4-6F175D3DCCD1}">
+              <a14:hiddenFill xmlns:a14="http://schemas.microsoft.com/office/drawing/2010/main">
+                <a:solidFill>
+                  <a:srgbClr val="FFFFFF"/>
+                </a:solidFill>
+              </a14:hiddenFill>
+            </a:ext>
+            <a:ext uri="{91240B29-F687-4F45-9708-019B960494DF}">
+              <a14:hiddenLine xmlns:a14="http://schemas.microsoft.com/office/drawing/2010/main" w="9525">
+                <a:solidFill>
+                  <a:srgbClr val="000000"/>
+                </a:solidFill>
+                <a:miter lim="800000"/>
+                <a:headEnd/>
+                <a:tailEnd/>
+              </a14:hiddenLine>
+            </a:ext>
+          </a:extLst>
+        </p:spPr>
+        <p:txBody>
+          <a:bodyPr/>
+          <a:lstStyle>
+            <a:lvl1pPr>
+              <a:defRPr>
+                <a:solidFill>
+                  <a:schemeClr val="tx1"/>
+                </a:solidFill>
+                <a:latin typeface="Palatino" charset="0"/>
+                <a:ea typeface="MS PGothic" panose="020B0600070205080204" pitchFamily="34" charset="-128"/>
+              </a:defRPr>
+            </a:lvl1pPr>
+            <a:lvl2pPr marL="742950" indent="-285750">
+              <a:defRPr>
+                <a:solidFill>
+                  <a:schemeClr val="tx1"/>
+                </a:solidFill>
+                <a:latin typeface="Palatino" charset="0"/>
+                <a:ea typeface="MS PGothic" panose="020B0600070205080204" pitchFamily="34" charset="-128"/>
+              </a:defRPr>
+            </a:lvl2pPr>
+            <a:lvl3pPr marL="1143000" indent="-228600">
+              <a:defRPr>
+                <a:solidFill>
+                  <a:schemeClr val="tx1"/>
+                </a:solidFill>
+                <a:latin typeface="Palatino" charset="0"/>
+                <a:ea typeface="MS PGothic" panose="020B0600070205080204" pitchFamily="34" charset="-128"/>
+              </a:defRPr>
+            </a:lvl3pPr>
+            <a:lvl4pPr marL="1600200" indent="-228600">
+              <a:defRPr>
+                <a:solidFill>
+                  <a:schemeClr val="tx1"/>
+                </a:solidFill>
+                <a:latin typeface="Palatino" charset="0"/>
+                <a:ea typeface="MS PGothic" panose="020B0600070205080204" pitchFamily="34" charset="-128"/>
+              </a:defRPr>
+            </a:lvl4pPr>
+            <a:lvl5pPr marL="2057400" indent="-228600">
+              <a:defRPr>
+                <a:solidFill>
+                  <a:schemeClr val="tx1"/>
+                </a:solidFill>
+                <a:latin typeface="Palatino" charset="0"/>
+                <a:ea typeface="MS PGothic" panose="020B0600070205080204" pitchFamily="34" charset="-128"/>
+              </a:defRPr>
+            </a:lvl5pPr>
+            <a:lvl6pPr marL="2514600" indent="-228600" defTabSz="457200" fontAlgn="base">
+              <a:spcBef>
+                <a:spcPct val="0"/>
+              </a:spcBef>
+              <a:spcAft>
+                <a:spcPct val="0"/>
+              </a:spcAft>
+              <a:defRPr>
+                <a:solidFill>
+                  <a:schemeClr val="tx1"/>
+                </a:solidFill>
+                <a:latin typeface="Palatino" charset="0"/>
+                <a:ea typeface="MS PGothic" panose="020B0600070205080204" pitchFamily="34" charset="-128"/>
+              </a:defRPr>
+            </a:lvl6pPr>
+            <a:lvl7pPr marL="2971800" indent="-228600" defTabSz="457200" fontAlgn="base">
+              <a:spcBef>
+                <a:spcPct val="0"/>
+              </a:spcBef>
+              <a:spcAft>
+                <a:spcPct val="0"/>
+              </a:spcAft>
+              <a:defRPr>
+                <a:solidFill>
+                  <a:schemeClr val="tx1"/>
+                </a:solidFill>
+                <a:latin typeface="Palatino" charset="0"/>
+                <a:ea typeface="MS PGothic" panose="020B0600070205080204" pitchFamily="34" charset="-128"/>
+              </a:defRPr>
+            </a:lvl7pPr>
+            <a:lvl8pPr marL="3429000" indent="-228600" defTabSz="457200" fontAlgn="base">
+              <a:spcBef>
+                <a:spcPct val="0"/>
+              </a:spcBef>
+              <a:spcAft>
+                <a:spcPct val="0"/>
+              </a:spcAft>
+              <a:defRPr>
+                <a:solidFill>
+                  <a:schemeClr val="tx1"/>
+                </a:solidFill>
+                <a:latin typeface="Palatino" charset="0"/>
+                <a:ea typeface="MS PGothic" panose="020B0600070205080204" pitchFamily="34" charset="-128"/>
+              </a:defRPr>
+            </a:lvl8pPr>
+            <a:lvl9pPr marL="3886200" indent="-228600" defTabSz="457200" fontAlgn="base">
+              <a:spcBef>
+                <a:spcPct val="0"/>
+              </a:spcBef>
+              <a:spcAft>
+                <a:spcPct val="0"/>
+              </a:spcAft>
+              <a:defRPr>
+                <a:solidFill>
+                  <a:schemeClr val="tx1"/>
+                </a:solidFill>
+                <a:latin typeface="Palatino" charset="0"/>
+                <a:ea typeface="MS PGothic" panose="020B0600070205080204" pitchFamily="34" charset="-128"/>
+              </a:defRPr>
+            </a:lvl9pPr>
+          </a:lstStyle>
+          <a:p>
+            <a:fld id="{0B754E25-62BA-406D-B4B4-458CC227EFB4}" type="slidenum">
+              <a:rPr lang="en-US" altLang="en-US">
+                <a:solidFill>
+                  <a:srgbClr val="717171"/>
+                </a:solidFill>
+                <a:latin typeface="Calibri" panose="020F0502020204030204" pitchFamily="34" charset="0"/>
+              </a:rPr>
               <a:pPr/>
               <a:t>2</a:t>
             </a:fld>
-            <a:endParaRPr lang="en-US" altLang="en-US"/>
+            <a:endParaRPr lang="en-US" altLang="en-US">
+              <a:solidFill>
+                <a:srgbClr val="717171"/>
+              </a:solidFill>
+              <a:latin typeface="Calibri" panose="020F0502020204030204" pitchFamily="34" charset="0"/>
+            </a:endParaRPr>
           </a:p>
         </p:txBody>
       </p:sp>
     </p:spTree>
     <p:extLst>
       <p:ext uri="{BB962C8B-B14F-4D97-AF65-F5344CB8AC3E}">
-        <p14:creationId xmlns:p14="http://schemas.microsoft.com/office/powerpoint/2010/main" val="3297652550"/>
+        <p14:creationId xmlns:p14="http://schemas.microsoft.com/office/powerpoint/2010/main" val="2147086814"/>
       </p:ext>
     </p:extLst>
   </p:cSld>
   <p:clrMapOvr>
     <a:masterClrMapping/>
   </p:clrMapOvr>
-  <p:transition>
-    <p:fade/>
-  </p:transition>
 </p:sld>
 </file>
 
@@ -6755,7 +7135,6 @@
               <a:rPr lang="en-US"/>
               <a:t>fit frame</a:t>
             </a:r>
-            <a:endParaRPr lang="en-US"/>
           </a:p>
         </p:txBody>
       </p:sp>
@@ -6811,6 +7190,447 @@
     <p:extLst>
       <p:ext uri="{BB962C8B-B14F-4D97-AF65-F5344CB8AC3E}">
         <p14:creationId xmlns:p14="http://schemas.microsoft.com/office/powerpoint/2010/main" val="3073255370"/>
+      </p:ext>
+    </p:extLst>
+  </p:cSld>
+  <p:clrMapOvr>
+    <a:masterClrMapping/>
+  </p:clrMapOvr>
+  <p:transition>
+    <p:fade/>
+  </p:transition>
+</p:sld>
+</file>
+
+<file path=ppt/slides/slide6.xml><?xml version="1.0" encoding="utf-8"?>
+<p:sld xmlns:a="http://schemas.openxmlformats.org/drawingml/2006/main" xmlns:r="http://schemas.openxmlformats.org/officeDocument/2006/relationships" xmlns:p="http://schemas.openxmlformats.org/presentationml/2006/main">
+  <p:cSld>
+    <p:spTree>
+      <p:nvGrpSpPr>
+        <p:cNvPr id="1" name=""/>
+        <p:cNvGrpSpPr/>
+        <p:nvPr/>
+      </p:nvGrpSpPr>
+      <p:grpSpPr>
+        <a:xfrm>
+          <a:off x="0" y="0"/>
+          <a:ext cx="0" cy="0"/>
+          <a:chOff x="0" y="0"/>
+          <a:chExt cx="0" cy="0"/>
+        </a:xfrm>
+      </p:grpSpPr>
+      <p:sp>
+        <p:nvSpPr>
+          <p:cNvPr id="2" name="Title 1"/>
+          <p:cNvSpPr>
+            <a:spLocks noGrp="1"/>
+          </p:cNvSpPr>
+          <p:nvPr>
+            <p:ph type="title"/>
+          </p:nvPr>
+        </p:nvSpPr>
+        <p:spPr/>
+        <p:txBody>
+          <a:bodyPr/>
+          <a:lstStyle/>
+          <a:p>
+            <a:endParaRPr lang="en-US"/>
+          </a:p>
+        </p:txBody>
+      </p:sp>
+      <p:pic>
+        <p:nvPicPr>
+          <p:cNvPr id="6" name="Content Placeholder 5"/>
+          <p:cNvPicPr>
+            <a:picLocks noGrp="1" noChangeAspect="1"/>
+          </p:cNvPicPr>
+          <p:nvPr>
+            <p:ph idx="1"/>
+          </p:nvPr>
+        </p:nvPicPr>
+        <p:blipFill>
+          <a:blip r:embed="rId2"/>
+          <a:stretch>
+            <a:fillRect/>
+          </a:stretch>
+        </p:blipFill>
+        <p:spPr>
+          <a:xfrm>
+            <a:off x="0" y="0"/>
+            <a:ext cx="9144413" cy="6858000"/>
+          </a:xfrm>
+        </p:spPr>
+      </p:pic>
+    </p:spTree>
+    <p:extLst>
+      <p:ext uri="{BB962C8B-B14F-4D97-AF65-F5344CB8AC3E}">
+        <p14:creationId xmlns:p14="http://schemas.microsoft.com/office/powerpoint/2010/main" val="3138262183"/>
+      </p:ext>
+    </p:extLst>
+  </p:cSld>
+  <p:clrMapOvr>
+    <a:masterClrMapping/>
+  </p:clrMapOvr>
+  <p:transition>
+    <p:fade/>
+  </p:transition>
+</p:sld>
+</file>
+
+<file path=ppt/slides/slide7.xml><?xml version="1.0" encoding="utf-8"?>
+<p:sld xmlns:a="http://schemas.openxmlformats.org/drawingml/2006/main" xmlns:r="http://schemas.openxmlformats.org/officeDocument/2006/relationships" xmlns:p="http://schemas.openxmlformats.org/presentationml/2006/main">
+  <p:cSld>
+    <p:spTree>
+      <p:nvGrpSpPr>
+        <p:cNvPr id="1" name=""/>
+        <p:cNvGrpSpPr/>
+        <p:nvPr/>
+      </p:nvGrpSpPr>
+      <p:grpSpPr>
+        <a:xfrm>
+          <a:off x="0" y="0"/>
+          <a:ext cx="0" cy="0"/>
+          <a:chOff x="0" y="0"/>
+          <a:chExt cx="0" cy="0"/>
+        </a:xfrm>
+      </p:grpSpPr>
+      <p:sp>
+        <p:nvSpPr>
+          <p:cNvPr id="2" name="Title 1"/>
+          <p:cNvSpPr>
+            <a:spLocks noGrp="1"/>
+          </p:cNvSpPr>
+          <p:nvPr>
+            <p:ph type="title"/>
+          </p:nvPr>
+        </p:nvSpPr>
+        <p:spPr/>
+        <p:txBody>
+          <a:bodyPr/>
+          <a:lstStyle/>
+          <a:p>
+            <a:r>
+              <a:rPr lang="en-US" dirty="0"/>
+              <a:t>Elevator Pitch: Technical Audience </a:t>
+            </a:r>
+          </a:p>
+        </p:txBody>
+      </p:sp>
+      <p:sp>
+        <p:nvSpPr>
+          <p:cNvPr id="3" name="Content Placeholder 2"/>
+          <p:cNvSpPr>
+            <a:spLocks noGrp="1"/>
+          </p:cNvSpPr>
+          <p:nvPr>
+            <p:ph idx="1"/>
+          </p:nvPr>
+        </p:nvSpPr>
+        <p:spPr/>
+        <p:txBody>
+          <a:bodyPr/>
+          <a:lstStyle/>
+          <a:p>
+            <a:endParaRPr lang="en-US"/>
+          </a:p>
+        </p:txBody>
+      </p:sp>
+      <p:sp>
+        <p:nvSpPr>
+          <p:cNvPr id="4" name="Date Placeholder 3"/>
+          <p:cNvSpPr>
+            <a:spLocks noGrp="1"/>
+          </p:cNvSpPr>
+          <p:nvPr>
+            <p:ph type="dt" sz="half" idx="10"/>
+          </p:nvPr>
+        </p:nvSpPr>
+        <p:spPr/>
+        <p:txBody>
+          <a:bodyPr/>
+          <a:lstStyle/>
+          <a:p>
+            <a:fld id="{587879A4-4F69-446C-9ABE-1D3E649983EC}" type="datetime4">
+              <a:rPr lang="en-US" altLang="en-US" smtClean="0"/>
+              <a:pPr/>
+              <a:t>May 15, 2017</a:t>
+            </a:fld>
+            <a:endParaRPr lang="en-US" altLang="en-US"/>
+          </a:p>
+        </p:txBody>
+      </p:sp>
+      <p:sp>
+        <p:nvSpPr>
+          <p:cNvPr id="5" name="Slide Number Placeholder 4"/>
+          <p:cNvSpPr>
+            <a:spLocks noGrp="1"/>
+          </p:cNvSpPr>
+          <p:nvPr>
+            <p:ph type="sldNum" sz="quarter" idx="11"/>
+          </p:nvPr>
+        </p:nvSpPr>
+        <p:spPr/>
+        <p:txBody>
+          <a:bodyPr/>
+          <a:lstStyle/>
+          <a:p>
+            <a:fld id="{9B4E24A9-3947-49DE-BF63-05AD6678E021}" type="slidenum">
+              <a:rPr lang="en-US" altLang="en-US" smtClean="0"/>
+              <a:pPr/>
+              <a:t>6</a:t>
+            </a:fld>
+            <a:endParaRPr lang="en-US" altLang="en-US"/>
+          </a:p>
+        </p:txBody>
+      </p:sp>
+    </p:spTree>
+    <p:extLst>
+      <p:ext uri="{BB962C8B-B14F-4D97-AF65-F5344CB8AC3E}">
+        <p14:creationId xmlns:p14="http://schemas.microsoft.com/office/powerpoint/2010/main" val="3297652550"/>
+      </p:ext>
+    </p:extLst>
+  </p:cSld>
+  <p:clrMapOvr>
+    <a:masterClrMapping/>
+  </p:clrMapOvr>
+  <p:transition>
+    <p:fade/>
+  </p:transition>
+</p:sld>
+</file>
+
+<file path=ppt/slides/slide8.xml><?xml version="1.0" encoding="utf-8"?>
+<p:sld xmlns:a="http://schemas.openxmlformats.org/drawingml/2006/main" xmlns:r="http://schemas.openxmlformats.org/officeDocument/2006/relationships" xmlns:p="http://schemas.openxmlformats.org/presentationml/2006/main">
+  <p:cSld>
+    <p:spTree>
+      <p:nvGrpSpPr>
+        <p:cNvPr id="1" name=""/>
+        <p:cNvGrpSpPr/>
+        <p:nvPr/>
+      </p:nvGrpSpPr>
+      <p:grpSpPr>
+        <a:xfrm>
+          <a:off x="0" y="0"/>
+          <a:ext cx="0" cy="0"/>
+          <a:chOff x="0" y="0"/>
+          <a:chExt cx="0" cy="0"/>
+        </a:xfrm>
+      </p:grpSpPr>
+      <p:sp>
+        <p:nvSpPr>
+          <p:cNvPr id="2" name="Title 1"/>
+          <p:cNvSpPr>
+            <a:spLocks noGrp="1"/>
+          </p:cNvSpPr>
+          <p:nvPr>
+            <p:ph type="title"/>
+          </p:nvPr>
+        </p:nvSpPr>
+        <p:spPr/>
+        <p:txBody>
+          <a:bodyPr/>
+          <a:lstStyle/>
+          <a:p>
+            <a:r>
+              <a:rPr lang="en-US" dirty="0"/>
+              <a:t>Elevator Pitch: General Audience </a:t>
+            </a:r>
+          </a:p>
+        </p:txBody>
+      </p:sp>
+      <p:sp>
+        <p:nvSpPr>
+          <p:cNvPr id="3" name="Content Placeholder 2"/>
+          <p:cNvSpPr>
+            <a:spLocks noGrp="1"/>
+          </p:cNvSpPr>
+          <p:nvPr>
+            <p:ph idx="1"/>
+          </p:nvPr>
+        </p:nvSpPr>
+        <p:spPr/>
+        <p:txBody>
+          <a:bodyPr/>
+          <a:lstStyle/>
+          <a:p>
+            <a:endParaRPr lang="en-US" dirty="0"/>
+          </a:p>
+        </p:txBody>
+      </p:sp>
+      <p:sp>
+        <p:nvSpPr>
+          <p:cNvPr id="4" name="Date Placeholder 3"/>
+          <p:cNvSpPr>
+            <a:spLocks noGrp="1"/>
+          </p:cNvSpPr>
+          <p:nvPr>
+            <p:ph type="dt" sz="half" idx="10"/>
+          </p:nvPr>
+        </p:nvSpPr>
+        <p:spPr/>
+        <p:txBody>
+          <a:bodyPr/>
+          <a:lstStyle/>
+          <a:p>
+            <a:fld id="{587879A4-4F69-446C-9ABE-1D3E649983EC}" type="datetime4">
+              <a:rPr lang="en-US" altLang="en-US" smtClean="0"/>
+              <a:pPr/>
+              <a:t>May 15, 2017</a:t>
+            </a:fld>
+            <a:endParaRPr lang="en-US" altLang="en-US"/>
+          </a:p>
+        </p:txBody>
+      </p:sp>
+      <p:sp>
+        <p:nvSpPr>
+          <p:cNvPr id="5" name="Slide Number Placeholder 4"/>
+          <p:cNvSpPr>
+            <a:spLocks noGrp="1"/>
+          </p:cNvSpPr>
+          <p:nvPr>
+            <p:ph type="sldNum" sz="quarter" idx="11"/>
+          </p:nvPr>
+        </p:nvSpPr>
+        <p:spPr/>
+        <p:txBody>
+          <a:bodyPr/>
+          <a:lstStyle/>
+          <a:p>
+            <a:fld id="{9B4E24A9-3947-49DE-BF63-05AD6678E021}" type="slidenum">
+              <a:rPr lang="en-US" altLang="en-US" smtClean="0"/>
+              <a:pPr/>
+              <a:t>7</a:t>
+            </a:fld>
+            <a:endParaRPr lang="en-US" altLang="en-US"/>
+          </a:p>
+        </p:txBody>
+      </p:sp>
+    </p:spTree>
+    <p:extLst>
+      <p:ext uri="{BB962C8B-B14F-4D97-AF65-F5344CB8AC3E}">
+        <p14:creationId xmlns:p14="http://schemas.microsoft.com/office/powerpoint/2010/main" val="1318555965"/>
+      </p:ext>
+    </p:extLst>
+  </p:cSld>
+  <p:clrMapOvr>
+    <a:masterClrMapping/>
+  </p:clrMapOvr>
+  <p:transition>
+    <p:fade/>
+  </p:transition>
+</p:sld>
+</file>
+
+<file path=ppt/slides/slide9.xml><?xml version="1.0" encoding="utf-8"?>
+<p:sld xmlns:a="http://schemas.openxmlformats.org/drawingml/2006/main" xmlns:r="http://schemas.openxmlformats.org/officeDocument/2006/relationships" xmlns:p="http://schemas.openxmlformats.org/presentationml/2006/main">
+  <p:cSld>
+    <p:spTree>
+      <p:nvGrpSpPr>
+        <p:cNvPr id="1" name=""/>
+        <p:cNvGrpSpPr/>
+        <p:nvPr/>
+      </p:nvGrpSpPr>
+      <p:grpSpPr>
+        <a:xfrm>
+          <a:off x="0" y="0"/>
+          <a:ext cx="0" cy="0"/>
+          <a:chOff x="0" y="0"/>
+          <a:chExt cx="0" cy="0"/>
+        </a:xfrm>
+      </p:grpSpPr>
+      <p:sp>
+        <p:nvSpPr>
+          <p:cNvPr id="2" name="Title 1"/>
+          <p:cNvSpPr>
+            <a:spLocks noGrp="1"/>
+          </p:cNvSpPr>
+          <p:nvPr>
+            <p:ph type="title"/>
+          </p:nvPr>
+        </p:nvSpPr>
+        <p:spPr/>
+        <p:txBody>
+          <a:bodyPr/>
+          <a:lstStyle/>
+          <a:p>
+            <a:r>
+              <a:rPr lang="en-US" dirty="0"/>
+              <a:t>End of Presentation</a:t>
+            </a:r>
+          </a:p>
+        </p:txBody>
+      </p:sp>
+      <p:sp>
+        <p:nvSpPr>
+          <p:cNvPr id="3" name="Content Placeholder 2"/>
+          <p:cNvSpPr>
+            <a:spLocks noGrp="1"/>
+          </p:cNvSpPr>
+          <p:nvPr>
+            <p:ph idx="1"/>
+          </p:nvPr>
+        </p:nvSpPr>
+        <p:spPr/>
+        <p:txBody>
+          <a:bodyPr/>
+          <a:lstStyle/>
+          <a:p>
+            <a:endParaRPr lang="en-US"/>
+          </a:p>
+        </p:txBody>
+      </p:sp>
+      <p:sp>
+        <p:nvSpPr>
+          <p:cNvPr id="4" name="Date Placeholder 3"/>
+          <p:cNvSpPr>
+            <a:spLocks noGrp="1"/>
+          </p:cNvSpPr>
+          <p:nvPr>
+            <p:ph type="dt" sz="half" idx="10"/>
+          </p:nvPr>
+        </p:nvSpPr>
+        <p:spPr/>
+        <p:txBody>
+          <a:bodyPr/>
+          <a:lstStyle/>
+          <a:p>
+            <a:fld id="{587879A4-4F69-446C-9ABE-1D3E649983EC}" type="datetime4">
+              <a:rPr lang="en-US" altLang="en-US" smtClean="0"/>
+              <a:pPr/>
+              <a:t>May 15, 2017</a:t>
+            </a:fld>
+            <a:endParaRPr lang="en-US" altLang="en-US"/>
+          </a:p>
+        </p:txBody>
+      </p:sp>
+      <p:sp>
+        <p:nvSpPr>
+          <p:cNvPr id="5" name="Slide Number Placeholder 4"/>
+          <p:cNvSpPr>
+            <a:spLocks noGrp="1"/>
+          </p:cNvSpPr>
+          <p:nvPr>
+            <p:ph type="sldNum" sz="quarter" idx="11"/>
+          </p:nvPr>
+        </p:nvSpPr>
+        <p:spPr/>
+        <p:txBody>
+          <a:bodyPr/>
+          <a:lstStyle/>
+          <a:p>
+            <a:fld id="{9B4E24A9-3947-49DE-BF63-05AD6678E021}" type="slidenum">
+              <a:rPr lang="en-US" altLang="en-US" smtClean="0"/>
+              <a:pPr/>
+              <a:t>8</a:t>
+            </a:fld>
+            <a:endParaRPr lang="en-US" altLang="en-US"/>
+          </a:p>
+        </p:txBody>
+      </p:sp>
+    </p:spTree>
+    <p:extLst>
+      <p:ext uri="{BB962C8B-B14F-4D97-AF65-F5344CB8AC3E}">
+        <p14:creationId xmlns:p14="http://schemas.microsoft.com/office/powerpoint/2010/main" val="4022675091"/>
       </p:ext>
     </p:extLst>
   </p:cSld>
